--- a/eece2160/sp17/lectures/eece.2160sp17_lec1_intro.pptx
+++ b/eece2160/sp17/lectures/eece.2160sp17_lec1_intro.pptx
@@ -549,7 +549,7 @@
             <a:tailEnd/>
           </a:ln>
           <a:extLst>
-            <a:ext uri="{909E8E84-426E-40dd-AFC4-6F175D3DCCD1}">
+            <a:ext uri="{909E8E84-426E-40DD-AFC4-6F175D3DCCD1}">
               <a14:hiddenFill xmlns:a14="http://schemas.microsoft.com/office/drawing/2010/main">
                 <a:solidFill>
                   <a:srgbClr val="FFFFFF"/>
@@ -557,7 +557,7 @@
               </a14:hiddenFill>
             </a:ext>
             <a:ext uri="{FAA26D3D-D897-4be2-8F04-BA451C77F1D7}">
-              <ma14:placeholderFlag xmlns:ma14="http://schemas.microsoft.com/office/mac/drawingml/2011/main" val="1"/>
+              <ma14:placeholderFlag xmlns:ma14="http://schemas.microsoft.com/office/mac/drawingml/2011/main" xmlns="" val="1"/>
             </a:ext>
           </a:extLst>
         </p:spPr>
@@ -896,14 +896,14 @@
           <a:noFill/>
           <a:ln/>
           <a:extLst>
-            <a:ext uri="{909E8E84-426E-40dd-AFC4-6F175D3DCCD1}">
+            <a:ext uri="{909E8E84-426E-40DD-AFC4-6F175D3DCCD1}">
               <a14:hiddenFill xmlns:a14="http://schemas.microsoft.com/office/drawing/2010/main">
                 <a:solidFill>
                   <a:srgbClr val="FFFFFF"/>
                 </a:solidFill>
               </a14:hiddenFill>
             </a:ext>
-            <a:ext uri="{91240B29-F687-4f45-9708-019B960494DF}">
+            <a:ext uri="{91240B29-F687-4F45-9708-019B960494DF}">
               <a14:hiddenLine xmlns:a14="http://schemas.microsoft.com/office/drawing/2010/main" w="9525">
                 <a:solidFill>
                   <a:srgbClr val="000000"/>
@@ -1071,14 +1071,14 @@
           <a:noFill/>
           <a:ln/>
           <a:extLst>
-            <a:ext uri="{909E8E84-426E-40dd-AFC4-6F175D3DCCD1}">
+            <a:ext uri="{909E8E84-426E-40DD-AFC4-6F175D3DCCD1}">
               <a14:hiddenFill xmlns:a14="http://schemas.microsoft.com/office/drawing/2010/main">
                 <a:solidFill>
                   <a:srgbClr val="FFFFFF"/>
                 </a:solidFill>
               </a14:hiddenFill>
             </a:ext>
-            <a:ext uri="{91240B29-F687-4f45-9708-019B960494DF}">
+            <a:ext uri="{91240B29-F687-4F45-9708-019B960494DF}">
               <a14:hiddenLine xmlns:a14="http://schemas.microsoft.com/office/drawing/2010/main" w="9525">
                 <a:solidFill>
                   <a:srgbClr val="000000"/>
@@ -1089,7 +1089,7 @@
               </a14:hiddenLine>
             </a:ext>
             <a:ext uri="{FAA26D3D-D897-4be2-8F04-BA451C77F1D7}">
-              <ma14:placeholderFlag xmlns:ma14="http://schemas.microsoft.com/office/mac/drawingml/2011/main" val="1"/>
+              <ma14:placeholderFlag xmlns:ma14="http://schemas.microsoft.com/office/mac/drawingml/2011/main" xmlns="" val="1"/>
             </a:ext>
           </a:extLst>
         </p:spPr>
@@ -1141,14 +1141,14 @@
           <a:noFill/>
           <a:ln/>
           <a:extLst>
-            <a:ext uri="{909E8E84-426E-40dd-AFC4-6F175D3DCCD1}">
+            <a:ext uri="{909E8E84-426E-40DD-AFC4-6F175D3DCCD1}">
               <a14:hiddenFill xmlns:a14="http://schemas.microsoft.com/office/drawing/2010/main">
                 <a:solidFill>
                   <a:srgbClr val="FFFFFF"/>
                 </a:solidFill>
               </a14:hiddenFill>
             </a:ext>
-            <a:ext uri="{91240B29-F687-4f45-9708-019B960494DF}">
+            <a:ext uri="{91240B29-F687-4F45-9708-019B960494DF}">
               <a14:hiddenLine xmlns:a14="http://schemas.microsoft.com/office/drawing/2010/main" w="9525">
                 <a:solidFill>
                   <a:srgbClr val="000000"/>
@@ -1316,14 +1316,14 @@
           <a:noFill/>
           <a:ln/>
           <a:extLst>
-            <a:ext uri="{909E8E84-426E-40dd-AFC4-6F175D3DCCD1}">
+            <a:ext uri="{909E8E84-426E-40DD-AFC4-6F175D3DCCD1}">
               <a14:hiddenFill xmlns:a14="http://schemas.microsoft.com/office/drawing/2010/main">
                 <a:solidFill>
                   <a:srgbClr val="FFFFFF"/>
                 </a:solidFill>
               </a14:hiddenFill>
             </a:ext>
-            <a:ext uri="{91240B29-F687-4f45-9708-019B960494DF}">
+            <a:ext uri="{91240B29-F687-4F45-9708-019B960494DF}">
               <a14:hiddenLine xmlns:a14="http://schemas.microsoft.com/office/drawing/2010/main" w="9525">
                 <a:solidFill>
                   <a:srgbClr val="000000"/>
@@ -1334,7 +1334,7 @@
               </a14:hiddenLine>
             </a:ext>
             <a:ext uri="{FAA26D3D-D897-4be2-8F04-BA451C77F1D7}">
-              <ma14:placeholderFlag xmlns:ma14="http://schemas.microsoft.com/office/mac/drawingml/2011/main" val="1"/>
+              <ma14:placeholderFlag xmlns:ma14="http://schemas.microsoft.com/office/mac/drawingml/2011/main" xmlns="" val="1"/>
             </a:ext>
           </a:extLst>
         </p:spPr>
@@ -1386,14 +1386,14 @@
           <a:noFill/>
           <a:ln/>
           <a:extLst>
-            <a:ext uri="{909E8E84-426E-40dd-AFC4-6F175D3DCCD1}">
+            <a:ext uri="{909E8E84-426E-40DD-AFC4-6F175D3DCCD1}">
               <a14:hiddenFill xmlns:a14="http://schemas.microsoft.com/office/drawing/2010/main">
                 <a:solidFill>
                   <a:srgbClr val="FFFFFF"/>
                 </a:solidFill>
               </a14:hiddenFill>
             </a:ext>
-            <a:ext uri="{91240B29-F687-4f45-9708-019B960494DF}">
+            <a:ext uri="{91240B29-F687-4F45-9708-019B960494DF}">
               <a14:hiddenLine xmlns:a14="http://schemas.microsoft.com/office/drawing/2010/main" w="9525">
                 <a:solidFill>
                   <a:srgbClr val="000000"/>
@@ -1561,14 +1561,14 @@
           <a:noFill/>
           <a:ln/>
           <a:extLst>
-            <a:ext uri="{909E8E84-426E-40dd-AFC4-6F175D3DCCD1}">
+            <a:ext uri="{909E8E84-426E-40DD-AFC4-6F175D3DCCD1}">
               <a14:hiddenFill xmlns:a14="http://schemas.microsoft.com/office/drawing/2010/main">
                 <a:solidFill>
                   <a:srgbClr val="FFFFFF"/>
                 </a:solidFill>
               </a14:hiddenFill>
             </a:ext>
-            <a:ext uri="{91240B29-F687-4f45-9708-019B960494DF}">
+            <a:ext uri="{91240B29-F687-4F45-9708-019B960494DF}">
               <a14:hiddenLine xmlns:a14="http://schemas.microsoft.com/office/drawing/2010/main" w="9525">
                 <a:solidFill>
                   <a:srgbClr val="000000"/>
@@ -1579,7 +1579,7 @@
               </a14:hiddenLine>
             </a:ext>
             <a:ext uri="{FAA26D3D-D897-4be2-8F04-BA451C77F1D7}">
-              <ma14:placeholderFlag xmlns:ma14="http://schemas.microsoft.com/office/mac/drawingml/2011/main" val="1"/>
+              <ma14:placeholderFlag xmlns:ma14="http://schemas.microsoft.com/office/mac/drawingml/2011/main" xmlns="" val="1"/>
             </a:ext>
           </a:extLst>
         </p:spPr>
@@ -1631,14 +1631,14 @@
           <a:noFill/>
           <a:ln/>
           <a:extLst>
-            <a:ext uri="{909E8E84-426E-40dd-AFC4-6F175D3DCCD1}">
+            <a:ext uri="{909E8E84-426E-40DD-AFC4-6F175D3DCCD1}">
               <a14:hiddenFill xmlns:a14="http://schemas.microsoft.com/office/drawing/2010/main">
                 <a:solidFill>
                   <a:srgbClr val="FFFFFF"/>
                 </a:solidFill>
               </a14:hiddenFill>
             </a:ext>
-            <a:ext uri="{91240B29-F687-4f45-9708-019B960494DF}">
+            <a:ext uri="{91240B29-F687-4F45-9708-019B960494DF}">
               <a14:hiddenLine xmlns:a14="http://schemas.microsoft.com/office/drawing/2010/main" w="9525">
                 <a:solidFill>
                   <a:srgbClr val="000000"/>
@@ -1806,14 +1806,14 @@
           <a:noFill/>
           <a:ln/>
           <a:extLst>
-            <a:ext uri="{909E8E84-426E-40dd-AFC4-6F175D3DCCD1}">
+            <a:ext uri="{909E8E84-426E-40DD-AFC4-6F175D3DCCD1}">
               <a14:hiddenFill xmlns:a14="http://schemas.microsoft.com/office/drawing/2010/main">
                 <a:solidFill>
                   <a:srgbClr val="FFFFFF"/>
                 </a:solidFill>
               </a14:hiddenFill>
             </a:ext>
-            <a:ext uri="{91240B29-F687-4f45-9708-019B960494DF}">
+            <a:ext uri="{91240B29-F687-4F45-9708-019B960494DF}">
               <a14:hiddenLine xmlns:a14="http://schemas.microsoft.com/office/drawing/2010/main" w="9525">
                 <a:solidFill>
                   <a:srgbClr val="000000"/>
@@ -1824,7 +1824,7 @@
               </a14:hiddenLine>
             </a:ext>
             <a:ext uri="{FAA26D3D-D897-4be2-8F04-BA451C77F1D7}">
-              <ma14:placeholderFlag xmlns:ma14="http://schemas.microsoft.com/office/mac/drawingml/2011/main" val="1"/>
+              <ma14:placeholderFlag xmlns:ma14="http://schemas.microsoft.com/office/mac/drawingml/2011/main" xmlns="" val="1"/>
             </a:ext>
           </a:extLst>
         </p:spPr>
@@ -1876,14 +1876,14 @@
           <a:noFill/>
           <a:ln/>
           <a:extLst>
-            <a:ext uri="{909E8E84-426E-40dd-AFC4-6F175D3DCCD1}">
+            <a:ext uri="{909E8E84-426E-40DD-AFC4-6F175D3DCCD1}">
               <a14:hiddenFill xmlns:a14="http://schemas.microsoft.com/office/drawing/2010/main">
                 <a:solidFill>
                   <a:srgbClr val="FFFFFF"/>
                 </a:solidFill>
               </a14:hiddenFill>
             </a:ext>
-            <a:ext uri="{91240B29-F687-4f45-9708-019B960494DF}">
+            <a:ext uri="{91240B29-F687-4F45-9708-019B960494DF}">
               <a14:hiddenLine xmlns:a14="http://schemas.microsoft.com/office/drawing/2010/main" w="9525">
                 <a:solidFill>
                   <a:srgbClr val="000000"/>
@@ -2051,14 +2051,14 @@
           <a:noFill/>
           <a:ln/>
           <a:extLst>
-            <a:ext uri="{909E8E84-426E-40dd-AFC4-6F175D3DCCD1}">
+            <a:ext uri="{909E8E84-426E-40DD-AFC4-6F175D3DCCD1}">
               <a14:hiddenFill xmlns:a14="http://schemas.microsoft.com/office/drawing/2010/main">
                 <a:solidFill>
                   <a:srgbClr val="FFFFFF"/>
                 </a:solidFill>
               </a14:hiddenFill>
             </a:ext>
-            <a:ext uri="{91240B29-F687-4f45-9708-019B960494DF}">
+            <a:ext uri="{91240B29-F687-4F45-9708-019B960494DF}">
               <a14:hiddenLine xmlns:a14="http://schemas.microsoft.com/office/drawing/2010/main" w="9525">
                 <a:solidFill>
                   <a:srgbClr val="000000"/>
@@ -2069,7 +2069,7 @@
               </a14:hiddenLine>
             </a:ext>
             <a:ext uri="{FAA26D3D-D897-4be2-8F04-BA451C77F1D7}">
-              <ma14:placeholderFlag xmlns:ma14="http://schemas.microsoft.com/office/mac/drawingml/2011/main" val="1"/>
+              <ma14:placeholderFlag xmlns:ma14="http://schemas.microsoft.com/office/mac/drawingml/2011/main" xmlns="" val="1"/>
             </a:ext>
           </a:extLst>
         </p:spPr>
@@ -2171,7 +2171,7 @@
             <a:tailEnd/>
           </a:ln>
           <a:extLst>
-            <a:ext uri="{909E8E84-426E-40dd-AFC4-6F175D3DCCD1}">
+            <a:ext uri="{909E8E84-426E-40DD-AFC4-6F175D3DCCD1}">
               <a14:hiddenFill xmlns:a14="http://schemas.microsoft.com/office/drawing/2010/main">
                 <a:solidFill>
                   <a:srgbClr val="FFFFFF"/>
@@ -2214,7 +2214,7 @@
             <a:tailEnd/>
           </a:ln>
           <a:extLst>
-            <a:ext uri="{909E8E84-426E-40dd-AFC4-6F175D3DCCD1}">
+            <a:ext uri="{909E8E84-426E-40DD-AFC4-6F175D3DCCD1}">
               <a14:hiddenFill xmlns:a14="http://schemas.microsoft.com/office/drawing/2010/main">
                 <a:noFill/>
               </a14:hiddenFill>
@@ -2314,7 +2314,7 @@
           <a:p>
             <a:fld id="{F6AB22BC-3F13-D041-B7E7-53D345F3D506}" type="datetime1">
               <a:rPr lang="en-US" smtClean="0"/>
-              <a:t>1/16/17</a:t>
+              <a:t>1/18/2017</a:t>
             </a:fld>
             <a:endParaRPr lang="en-US"/>
           </a:p>
@@ -2510,7 +2510,7 @@
           <a:p>
             <a:fld id="{CE50B5AC-4C1F-BC48-8E9E-825342826844}" type="datetime1">
               <a:rPr lang="en-US" smtClean="0"/>
-              <a:t>1/16/17</a:t>
+              <a:t>1/18/2017</a:t>
             </a:fld>
             <a:endParaRPr lang="en-US"/>
           </a:p>
@@ -2715,7 +2715,7 @@
           <a:p>
             <a:fld id="{19140AB6-D9F1-7F4C-8DDB-13DA33D45B67}" type="datetime1">
               <a:rPr lang="en-US" smtClean="0"/>
-              <a:t>1/16/17</a:t>
+              <a:t>1/18/2017</a:t>
             </a:fld>
             <a:endParaRPr lang="en-US"/>
           </a:p>
@@ -2977,7 +2977,7 @@
           <a:p>
             <a:fld id="{1D8A0311-486A-EE4B-8667-B72E790F4B34}" type="datetime1">
               <a:rPr lang="en-US" smtClean="0"/>
-              <a:t>1/16/17</a:t>
+              <a:t>1/18/2017</a:t>
             </a:fld>
             <a:endParaRPr lang="en-US"/>
           </a:p>
@@ -3239,7 +3239,7 @@
           <a:p>
             <a:fld id="{7BF49E88-F204-CF48-9256-C1FED9EE3C63}" type="datetime1">
               <a:rPr lang="en-US" smtClean="0"/>
-              <a:t>1/16/17</a:t>
+              <a:t>1/18/2017</a:t>
             </a:fld>
             <a:endParaRPr lang="en-US"/>
           </a:p>
@@ -3434,7 +3434,7 @@
           <a:p>
             <a:fld id="{BA7177C3-D81E-3741-A84F-39E996C00AC0}" type="datetime1">
               <a:rPr lang="en-US" smtClean="0"/>
-              <a:t>1/16/17</a:t>
+              <a:t>1/18/2017</a:t>
             </a:fld>
             <a:endParaRPr lang="en-US"/>
           </a:p>
@@ -3651,7 +3651,7 @@
           <a:p>
             <a:fld id="{2484A921-CD18-F748-876E-9D7B936434CD}" type="datetime1">
               <a:rPr lang="en-US" smtClean="0"/>
-              <a:t>1/16/17</a:t>
+              <a:t>1/18/2017</a:t>
             </a:fld>
             <a:endParaRPr lang="en-US"/>
           </a:p>
@@ -3964,7 +3964,7 @@
           <a:p>
             <a:fld id="{79EC2E33-3B9F-1F4C-86B8-731DA9EDE679}" type="datetime1">
               <a:rPr lang="en-US" smtClean="0"/>
-              <a:t>1/16/17</a:t>
+              <a:t>1/18/2017</a:t>
             </a:fld>
             <a:endParaRPr lang="en-US"/>
           </a:p>
@@ -4416,7 +4416,7 @@
           <a:p>
             <a:fld id="{84F2A380-89CA-8A4B-8697-6289D3F7530D}" type="datetime1">
               <a:rPr lang="en-US" smtClean="0"/>
-              <a:t>1/16/17</a:t>
+              <a:t>1/18/2017</a:t>
             </a:fld>
             <a:endParaRPr lang="en-US"/>
           </a:p>
@@ -4559,7 +4559,7 @@
           <a:p>
             <a:fld id="{BEC2A9CF-B718-1340-B187-248523176641}" type="datetime1">
               <a:rPr lang="en-US" smtClean="0"/>
-              <a:t>1/16/17</a:t>
+              <a:t>1/18/2017</a:t>
             </a:fld>
             <a:endParaRPr lang="en-US"/>
           </a:p>
@@ -4679,7 +4679,7 @@
           <a:p>
             <a:fld id="{08CD3B3E-3CD8-4C4D-AC23-A81D295B31C3}" type="datetime1">
               <a:rPr lang="en-US" smtClean="0"/>
-              <a:t>1/16/17</a:t>
+              <a:t>1/18/2017</a:t>
             </a:fld>
             <a:endParaRPr lang="en-US"/>
           </a:p>
@@ -4981,7 +4981,7 @@
           <a:p>
             <a:fld id="{86EAE07D-08A0-6F42-8722-4AD6DB3DECDF}" type="datetime1">
               <a:rPr lang="en-US" smtClean="0"/>
-              <a:t>1/16/17</a:t>
+              <a:t>1/18/2017</a:t>
             </a:fld>
             <a:endParaRPr lang="en-US"/>
           </a:p>
@@ -5260,7 +5260,7 @@
           <a:p>
             <a:fld id="{2F7A613D-EFF1-024E-AEF1-6A01C3079629}" type="datetime1">
               <a:rPr lang="en-US" smtClean="0"/>
-              <a:t>1/16/17</a:t>
+              <a:t>1/18/2017</a:t>
             </a:fld>
             <a:endParaRPr lang="en-US"/>
           </a:p>
@@ -5388,14 +5388,14 @@
             <a:noFill/>
           </a:ln>
           <a:extLst>
-            <a:ext uri="{909E8E84-426E-40dd-AFC4-6F175D3DCCD1}">
+            <a:ext uri="{909E8E84-426E-40DD-AFC4-6F175D3DCCD1}">
               <a14:hiddenFill xmlns:a14="http://schemas.microsoft.com/office/drawing/2010/main">
                 <a:solidFill>
                   <a:srgbClr val="FFFFFF"/>
                 </a:solidFill>
               </a14:hiddenFill>
             </a:ext>
-            <a:ext uri="{91240B29-F687-4f45-9708-019B960494DF}">
+            <a:ext uri="{91240B29-F687-4F45-9708-019B960494DF}">
               <a14:hiddenLine xmlns:a14="http://schemas.microsoft.com/office/drawing/2010/main" w="9525">
                 <a:solidFill>
                   <a:srgbClr val="000000"/>
@@ -5406,7 +5406,7 @@
               </a14:hiddenLine>
             </a:ext>
             <a:ext uri="{FAA26D3D-D897-4be2-8F04-BA451C77F1D7}">
-              <ma14:placeholderFlag xmlns:ma14="http://schemas.microsoft.com/office/mac/drawingml/2011/main" val="1"/>
+              <ma14:placeholderFlag xmlns:ma14="http://schemas.microsoft.com/office/mac/drawingml/2011/main" xmlns="" val="1"/>
             </a:ext>
           </a:extLst>
         </p:spPr>
@@ -5449,14 +5449,14 @@
             <a:noFill/>
           </a:ln>
           <a:extLst>
-            <a:ext uri="{909E8E84-426E-40dd-AFC4-6F175D3DCCD1}">
+            <a:ext uri="{909E8E84-426E-40DD-AFC4-6F175D3DCCD1}">
               <a14:hiddenFill xmlns:a14="http://schemas.microsoft.com/office/drawing/2010/main">
                 <a:solidFill>
                   <a:srgbClr val="FFFFFF"/>
                 </a:solidFill>
               </a14:hiddenFill>
             </a:ext>
-            <a:ext uri="{91240B29-F687-4f45-9708-019B960494DF}">
+            <a:ext uri="{91240B29-F687-4F45-9708-019B960494DF}">
               <a14:hiddenLine xmlns:a14="http://schemas.microsoft.com/office/drawing/2010/main" w="9525">
                 <a:solidFill>
                   <a:srgbClr val="000000"/>
@@ -5467,7 +5467,7 @@
               </a14:hiddenLine>
             </a:ext>
             <a:ext uri="{FAA26D3D-D897-4be2-8F04-BA451C77F1D7}">
-              <ma14:placeholderFlag xmlns:ma14="http://schemas.microsoft.com/office/mac/drawingml/2011/main" val="1"/>
+              <ma14:placeholderFlag xmlns:ma14="http://schemas.microsoft.com/office/mac/drawingml/2011/main" xmlns="" val="1"/>
             </a:ext>
           </a:extLst>
         </p:spPr>
@@ -5558,7 +5558,7 @@
           <a:p>
             <a:fld id="{70E50D42-73AC-8742-B23A-E48C40F82084}" type="datetime1">
               <a:rPr lang="en-US" smtClean="0"/>
-              <a:t>1/16/17</a:t>
+              <a:t>1/18/2017</a:t>
             </a:fld>
             <a:endParaRPr lang="en-US"/>
           </a:p>
@@ -5731,7 +5731,7 @@
             <a:tailEnd/>
           </a:ln>
           <a:extLst>
-            <a:ext uri="{909E8E84-426E-40dd-AFC4-6F175D3DCCD1}">
+            <a:ext uri="{909E8E84-426E-40DD-AFC4-6F175D3DCCD1}">
               <a14:hiddenFill xmlns:a14="http://schemas.microsoft.com/office/drawing/2010/main">
                 <a:solidFill>
                   <a:srgbClr val="FFFFFF"/>
@@ -5774,7 +5774,7 @@
             <a:tailEnd/>
           </a:ln>
           <a:extLst>
-            <a:ext uri="{909E8E84-426E-40dd-AFC4-6F175D3DCCD1}">
+            <a:ext uri="{909E8E84-426E-40DD-AFC4-6F175D3DCCD1}">
               <a14:hiddenFill xmlns:a14="http://schemas.microsoft.com/office/drawing/2010/main">
                 <a:noFill/>
               </a14:hiddenFill>
@@ -5810,7 +5810,7 @@
   <p:timing>
     <p:tnLst>
       <p:par>
-        <p:cTn xmlns:p14="http://schemas.microsoft.com/office/powerpoint/2010/main" id="1" dur="indefinite" restart="never" nodeType="tmRoot"/>
+        <p:cTn id="1" dur="indefinite" restart="never" nodeType="tmRoot"/>
       </p:par>
     </p:tnLst>
   </p:timing>
@@ -6462,7 +6462,7 @@
   <p:timing>
     <p:tnLst>
       <p:par>
-        <p:cTn xmlns:p14="http://schemas.microsoft.com/office/powerpoint/2010/main" id="1" dur="indefinite" restart="never" nodeType="tmRoot"/>
+        <p:cTn id="1" dur="indefinite" restart="never" nodeType="tmRoot"/>
       </p:par>
     </p:tnLst>
   </p:timing>
@@ -6807,7 +6807,7 @@
               <a:rPr lang="en-US" smtClean="0">
                 <a:latin typeface="Garamond" charset="0"/>
               </a:rPr>
-              <a:t>1/16/17</a:t>
+              <a:t>1/18/2017</a:t>
             </a:fld>
             <a:endParaRPr lang="en-US">
               <a:latin typeface="Garamond" charset="0"/>
@@ -6992,7 +6992,7 @@
   <p:timing>
     <p:tnLst>
       <p:par>
-        <p:cTn xmlns:p14="http://schemas.microsoft.com/office/powerpoint/2010/main" id="1" dur="indefinite" restart="never" nodeType="tmRoot"/>
+        <p:cTn id="1" dur="indefinite" restart="never" nodeType="tmRoot"/>
       </p:par>
     </p:tnLst>
   </p:timing>
@@ -7168,7 +7168,7 @@
           <a:p>
             <a:fld id="{3ABB7120-FCF2-F743-9D52-C4937A807088}" type="datetime1">
               <a:rPr lang="en-US" smtClean="0"/>
-              <a:t>1/16/17</a:t>
+              <a:t>1/18/2017</a:t>
             </a:fld>
             <a:endParaRPr lang="en-US"/>
           </a:p>
@@ -7237,7 +7237,7 @@
   <p:timing>
     <p:tnLst>
       <p:par>
-        <p:cTn xmlns:p14="http://schemas.microsoft.com/office/powerpoint/2010/main" id="1" dur="indefinite" restart="never" nodeType="tmRoot"/>
+        <p:cTn id="1" dur="indefinite" restart="never" nodeType="tmRoot"/>
       </p:par>
     </p:tnLst>
   </p:timing>
@@ -7396,7 +7396,7 @@
               <a:rPr lang="en-US" smtClean="0">
                 <a:latin typeface="Garamond" charset="0"/>
               </a:rPr>
-              <a:t>1/16/17</a:t>
+              <a:t>1/18/2017</a:t>
             </a:fld>
             <a:endParaRPr lang="en-US">
               <a:latin typeface="Garamond" charset="0"/>
@@ -7661,22 +7661,19 @@
                 </a:solidFill>
                 <a:latin typeface="Arial" charset="0"/>
               </a:rPr>
-              <a:t>Exam </a:t>
+              <a:t>Minimum of Exam 1/Exam 2</a:t>
+            </a:r>
+            <a:r>
+              <a:rPr lang="en-US" dirty="0" smtClean="0">
+                <a:latin typeface="Arial" charset="0"/>
+              </a:rPr>
+              <a:t>: </a:t>
             </a:r>
             <a:r>
               <a:rPr lang="en-US" dirty="0">
-                <a:solidFill>
-                  <a:srgbClr val="0000FF"/>
-                </a:solidFill>
-                <a:latin typeface="Arial" charset="0"/>
-              </a:rPr>
-              <a:t>1</a:t>
-            </a:r>
-            <a:r>
-              <a:rPr lang="en-US" dirty="0">
-                <a:latin typeface="Arial" charset="0"/>
-              </a:rPr>
-              <a:t>: 10%</a:t>
+                <a:latin typeface="Arial" charset="0"/>
+              </a:rPr>
+              <a:t>10%</a:t>
             </a:r>
           </a:p>
           <a:p>
@@ -7686,13 +7683,31 @@
               </a:lnSpc>
             </a:pPr>
             <a:r>
+              <a:rPr lang="en-US" dirty="0" smtClean="0">
+                <a:solidFill>
+                  <a:srgbClr val="0000FF"/>
+                </a:solidFill>
+                <a:latin typeface="Arial" charset="0"/>
+              </a:rPr>
+              <a:t>Maximum of </a:t>
+            </a:r>
+            <a:r>
+              <a:rPr lang="en-US" smtClean="0">
+                <a:solidFill>
+                  <a:srgbClr val="0000FF"/>
+                </a:solidFill>
+                <a:latin typeface="Arial" charset="0"/>
+              </a:rPr>
+              <a:t>Exam 1/Exam </a:t>
+            </a:r>
+            <a:r>
               <a:rPr lang="en-US" dirty="0">
                 <a:solidFill>
                   <a:srgbClr val="0000FF"/>
                 </a:solidFill>
                 <a:latin typeface="Arial" charset="0"/>
               </a:rPr>
-              <a:t>Exam 2</a:t>
+              <a:t>2</a:t>
             </a:r>
             <a:r>
               <a:rPr lang="en-US" dirty="0">
@@ -7761,13 +7776,7 @@
               <a:rPr lang="en-US" dirty="0" smtClean="0">
                 <a:latin typeface="Arial" charset="0"/>
               </a:rPr>
-              <a:t>Wednesday, February 15 </a:t>
-            </a:r>
-            <a:r>
-              <a:rPr lang="en-US" dirty="0" smtClean="0">
-                <a:latin typeface="Arial" charset="0"/>
-              </a:rPr>
-              <a:t>in </a:t>
+              <a:t>Wednesday, February 15 in </a:t>
             </a:r>
             <a:r>
               <a:rPr lang="en-US" dirty="0">
@@ -7801,19 +7810,7 @@
               <a:rPr lang="en-US" dirty="0" smtClean="0">
                 <a:latin typeface="Arial" charset="0"/>
               </a:rPr>
-              <a:t>Wednesday, </a:t>
-            </a:r>
-            <a:r>
-              <a:rPr lang="en-US" dirty="0" smtClean="0">
-                <a:latin typeface="Arial" charset="0"/>
-              </a:rPr>
-              <a:t>March 29 </a:t>
-            </a:r>
-            <a:r>
-              <a:rPr lang="en-US" dirty="0" smtClean="0">
-                <a:latin typeface="Arial" charset="0"/>
-              </a:rPr>
-              <a:t>in </a:t>
+              <a:t>Wednesday, March 29 in </a:t>
             </a:r>
             <a:r>
               <a:rPr lang="en-US" dirty="0">
@@ -7863,7 +7860,7 @@
   <p:timing>
     <p:tnLst>
       <p:par>
-        <p:cTn xmlns:p14="http://schemas.microsoft.com/office/powerpoint/2010/main" id="1" dur="indefinite" restart="never" nodeType="tmRoot"/>
+        <p:cTn id="1" dur="indefinite" restart="never" nodeType="tmRoot"/>
       </p:par>
     </p:tnLst>
   </p:timing>
@@ -8022,7 +8019,7 @@
               <a:rPr lang="en-US" smtClean="0">
                 <a:latin typeface="Garamond" charset="0"/>
               </a:rPr>
-              <a:t>1/16/17</a:t>
+              <a:t>1/18/2017</a:t>
             </a:fld>
             <a:endParaRPr lang="en-US">
               <a:latin typeface="Garamond" charset="0"/>
@@ -8389,7 +8386,7 @@
   <p:timing>
     <p:tnLst>
       <p:par>
-        <p:cTn xmlns:p14="http://schemas.microsoft.com/office/powerpoint/2010/main" id="1" dur="indefinite" restart="never" nodeType="tmRoot"/>
+        <p:cTn id="1" dur="indefinite" restart="never" nodeType="tmRoot"/>
       </p:par>
     </p:tnLst>
   </p:timing>
@@ -8632,7 +8629,7 @@
               <a:rPr lang="en-US" smtClean="0">
                 <a:latin typeface="Garamond" charset="0"/>
               </a:rPr>
-              <a:t>1/16/17</a:t>
+              <a:t>1/18/2017</a:t>
             </a:fld>
             <a:endParaRPr lang="en-US">
               <a:latin typeface="Garamond" charset="0"/>
@@ -8817,7 +8814,7 @@
   <p:timing>
     <p:tnLst>
       <p:par>
-        <p:cTn xmlns:p14="http://schemas.microsoft.com/office/powerpoint/2010/main" id="1" dur="indefinite" restart="never" nodeType="tmRoot"/>
+        <p:cTn id="1" dur="indefinite" restart="never" nodeType="tmRoot"/>
       </p:par>
     </p:tnLst>
   </p:timing>
@@ -9108,7 +9105,7 @@
               <a:rPr lang="en-US" smtClean="0">
                 <a:latin typeface="Garamond" charset="0"/>
               </a:rPr>
-              <a:t>1/16/17</a:t>
+              <a:t>1/18/2017</a:t>
             </a:fld>
             <a:endParaRPr lang="en-US">
               <a:latin typeface="Garamond" charset="0"/>
@@ -9294,7 +9291,7 @@
   <p:timing>
     <p:tnLst>
       <p:par>
-        <p:cTn xmlns:p14="http://schemas.microsoft.com/office/powerpoint/2010/main" id="1" dur="indefinite" restart="never" nodeType="tmRoot">
+        <p:cTn id="1" dur="indefinite" restart="never" nodeType="tmRoot">
           <p:childTnLst>
             <p:seq concurrent="1" nextAc="seek">
               <p:cTn id="2" dur="indefinite" nodeType="mainSeq">
@@ -9811,7 +9808,7 @@
               <a:rPr lang="en-US" smtClean="0">
                 <a:latin typeface="Garamond" charset="0"/>
               </a:rPr>
-              <a:t>1/16/17</a:t>
+              <a:t>1/18/2017</a:t>
             </a:fld>
             <a:endParaRPr lang="en-US">
               <a:latin typeface="Garamond" charset="0"/>
@@ -9997,7 +9994,7 @@
   <p:timing>
     <p:tnLst>
       <p:par>
-        <p:cTn xmlns:p14="http://schemas.microsoft.com/office/powerpoint/2010/main" id="1" dur="indefinite" restart="never" nodeType="tmRoot">
+        <p:cTn id="1" dur="indefinite" restart="never" nodeType="tmRoot">
           <p:childTnLst>
             <p:seq concurrent="1" nextAc="seek">
               <p:cTn id="2" dur="indefinite" nodeType="mainSeq">
@@ -10526,7 +10523,7 @@
               <a:rPr lang="en-US" smtClean="0">
                 <a:latin typeface="Garamond" charset="0"/>
               </a:rPr>
-              <a:t>1/16/17</a:t>
+              <a:t>1/18/2017</a:t>
             </a:fld>
             <a:endParaRPr lang="en-US">
               <a:latin typeface="Garamond" charset="0"/>
@@ -10712,7 +10709,7 @@
   <p:timing>
     <p:tnLst>
       <p:par>
-        <p:cTn xmlns:p14="http://schemas.microsoft.com/office/powerpoint/2010/main" id="1" dur="indefinite" restart="never" nodeType="tmRoot">
+        <p:cTn id="1" dur="indefinite" restart="never" nodeType="tmRoot">
           <p:childTnLst>
             <p:seq concurrent="1" nextAc="seek">
               <p:cTn id="2" dur="indefinite" nodeType="mainSeq">
@@ -11415,7 +11412,7 @@
               <a:rPr lang="en-US" smtClean="0">
                 <a:latin typeface="Garamond" charset="0"/>
               </a:rPr>
-              <a:t>1/16/17</a:t>
+              <a:t>1/18/2017</a:t>
             </a:fld>
             <a:endParaRPr lang="en-US">
               <a:latin typeface="Garamond" charset="0"/>
@@ -11601,7 +11598,7 @@
   <p:timing>
     <p:tnLst>
       <p:par>
-        <p:cTn xmlns:p14="http://schemas.microsoft.com/office/powerpoint/2010/main" id="1" dur="indefinite" restart="never" nodeType="tmRoot">
+        <p:cTn id="1" dur="indefinite" restart="never" nodeType="tmRoot">
           <p:childTnLst>
             <p:seq concurrent="1" nextAc="seek">
               <p:cTn id="2" dur="indefinite" nodeType="mainSeq">
@@ -12053,7 +12050,7 @@
         <p:spPr/>
         <p:txBody>
           <a:bodyPr>
-            <a:normAutofit fontScale="92500"/>
+            <a:normAutofit fontScale="85000" lnSpcReduction="10000"/>
           </a:bodyPr>
           <a:lstStyle/>
           <a:p>
@@ -12098,6 +12095,12 @@
             </a:r>
           </a:p>
           <a:p>
+            <a:pPr marL="671512" lvl="2" indent="0">
+              <a:buNone/>
+            </a:pPr>
+            <a:endParaRPr lang="en-US" dirty="0" smtClean="0"/>
+          </a:p>
+          <a:p>
             <a:r>
               <a:rPr lang="en-US" dirty="0" smtClean="0"/>
               <a:t>Reminders:</a:t>
@@ -12107,20 +12110,20 @@
             <a:pPr lvl="1"/>
             <a:r>
               <a:rPr lang="en-US" dirty="0" smtClean="0"/>
-              <a:t>Sign up for the course discussion group on Piazza!</a:t>
-            </a:r>
+              <a:t>Sign up for the course discussion group on Piazza</a:t>
+            </a:r>
+            <a:r>
+              <a:rPr lang="en-US" dirty="0" smtClean="0"/>
+              <a:t>!</a:t>
+            </a:r>
+            <a:endParaRPr lang="en-US" dirty="0" smtClean="0"/>
           </a:p>
           <a:p>
             <a:pPr lvl="1"/>
             <a:r>
               <a:rPr lang="en-US" dirty="0" smtClean="0"/>
-              <a:t>Program 1 due </a:t>
-            </a:r>
-            <a:r>
-              <a:rPr lang="en-US" dirty="0" smtClean="0"/>
-              <a:t>Wednesday, 1/25</a:t>
-            </a:r>
-            <a:endParaRPr lang="en-US" dirty="0" smtClean="0"/>
+              <a:t>Program 1 due Wednesday, 1/25</a:t>
+            </a:r>
           </a:p>
           <a:p>
             <a:pPr lvl="2">
@@ -12132,20 +12135,61 @@
               <a:rPr lang="en-US" sz="2400" dirty="0">
                 <a:latin typeface="Arial" charset="0"/>
               </a:rPr>
-              <a:t>10 points: e-mail Dr. Geiger for shared </a:t>
-            </a:r>
-            <a:r>
-              <a:rPr lang="en-US" sz="2400" dirty="0" err="1">
-                <a:latin typeface="Arial" charset="0"/>
-              </a:rPr>
-              <a:t>Dropbox</a:t>
-            </a:r>
-            <a:r>
-              <a:rPr lang="en-US" sz="2400" dirty="0">
-                <a:latin typeface="Arial" charset="0"/>
-              </a:rPr>
-              <a:t> folder</a:t>
-            </a:r>
+              <a:t>10 points: e-mail Dr. Geiger for shared Dropbox </a:t>
+            </a:r>
+            <a:r>
+              <a:rPr lang="en-US" sz="2400" dirty="0" smtClean="0">
+                <a:latin typeface="Arial" charset="0"/>
+              </a:rPr>
+              <a:t>folder</a:t>
+            </a:r>
+          </a:p>
+          <a:p>
+            <a:pPr lvl="3">
+              <a:lnSpc>
+                <a:spcPct val="80000"/>
+              </a:lnSpc>
+            </a:pPr>
+            <a:r>
+              <a:rPr lang="en-US" dirty="0">
+                <a:latin typeface="Arial" charset="0"/>
+              </a:rPr>
+              <a:t>Please specify e-mail address associated with Dropbox account</a:t>
+            </a:r>
+          </a:p>
+          <a:p>
+            <a:pPr lvl="3">
+              <a:lnSpc>
+                <a:spcPct val="80000"/>
+              </a:lnSpc>
+            </a:pPr>
+            <a:r>
+              <a:rPr lang="en-US" dirty="0">
+                <a:latin typeface="Arial" charset="0"/>
+              </a:rPr>
+              <a:t>You will receive invitation to join shared folder—</a:t>
+            </a:r>
+            <a:r>
+              <a:rPr lang="en-US" u="sng" dirty="0">
+                <a:solidFill>
+                  <a:srgbClr val="FF0000"/>
+                </a:solidFill>
+                <a:latin typeface="Arial" charset="0"/>
+              </a:rPr>
+              <a:t>must accept </a:t>
+            </a:r>
+            <a:r>
+              <a:rPr lang="en-US" u="sng" dirty="0" smtClean="0">
+                <a:solidFill>
+                  <a:srgbClr val="FF0000"/>
+                </a:solidFill>
+                <a:latin typeface="Arial" charset="0"/>
+              </a:rPr>
+              <a:t>invitation</a:t>
+            </a:r>
+            <a:endParaRPr lang="en-US" dirty="0">
+              <a:latin typeface="Arial" charset="0"/>
+            </a:endParaRPr>
           </a:p>
           <a:p>
             <a:pPr lvl="2">
@@ -12170,8 +12214,17 @@
               <a:rPr lang="en-US" sz="2400" dirty="0">
                 <a:latin typeface="Arial" charset="0"/>
               </a:rPr>
-              <a:t>30 points: complete simple C program</a:t>
-            </a:r>
+              <a:t>30 points: complete simple C </a:t>
+            </a:r>
+            <a:r>
+              <a:rPr lang="en-US" sz="2400" dirty="0" smtClean="0">
+                <a:latin typeface="Arial" charset="0"/>
+              </a:rPr>
+              <a:t>program</a:t>
+            </a:r>
+            <a:endParaRPr lang="en-US" sz="2400" dirty="0">
+              <a:latin typeface="Arial" charset="0"/>
+            </a:endParaRPr>
           </a:p>
         </p:txBody>
       </p:sp>
@@ -12307,7 +12360,7 @@
           <a:p>
             <a:fld id="{217E7EE8-5A33-1F4C-9F04-26D2120514DE}" type="datetime1">
               <a:rPr lang="en-US" smtClean="0"/>
-              <a:t>1/16/17</a:t>
+              <a:t>1/18/2017</a:t>
             </a:fld>
             <a:endParaRPr lang="en-US"/>
           </a:p>
@@ -12483,7 +12536,7 @@
   <p:timing>
     <p:tnLst>
       <p:par>
-        <p:cTn xmlns:p14="http://schemas.microsoft.com/office/powerpoint/2010/main" id="1" dur="indefinite" restart="never" nodeType="tmRoot"/>
+        <p:cTn id="1" dur="indefinite" restart="never" nodeType="tmRoot"/>
       </p:par>
     </p:tnLst>
   </p:timing>
@@ -12549,7 +12602,7 @@
         </p:spPr>
         <p:txBody>
           <a:bodyPr>
-            <a:normAutofit/>
+            <a:normAutofit fontScale="92500" lnSpcReduction="10000"/>
           </a:bodyPr>
           <a:lstStyle/>
           <a:p>
@@ -12597,20 +12650,55 @@
               <a:rPr lang="en-US" sz="2000" dirty="0" smtClean="0">
                 <a:latin typeface="Arial" charset="0"/>
               </a:rPr>
-              <a:t>10 points: e-mail Dr. Geiger for shared </a:t>
-            </a:r>
-            <a:r>
-              <a:rPr lang="en-US" sz="2000" dirty="0" err="1" smtClean="0">
-                <a:latin typeface="Arial" charset="0"/>
-              </a:rPr>
-              <a:t>Dropbox</a:t>
+              <a:t>10 points: e-mail Dr. Geiger for shared Dropbox </a:t>
             </a:r>
             <a:r>
               <a:rPr lang="en-US" sz="2000" dirty="0" smtClean="0">
                 <a:latin typeface="Arial" charset="0"/>
               </a:rPr>
-              <a:t> folder</a:t>
-            </a:r>
+              <a:t>folder</a:t>
+            </a:r>
+          </a:p>
+          <a:p>
+            <a:pPr lvl="3">
+              <a:lnSpc>
+                <a:spcPct val="80000"/>
+              </a:lnSpc>
+            </a:pPr>
+            <a:r>
+              <a:rPr lang="en-US" sz="1800" dirty="0" smtClean="0">
+                <a:latin typeface="Arial" charset="0"/>
+              </a:rPr>
+              <a:t>Please specify e-mail address associated with Dropbox account</a:t>
+            </a:r>
+          </a:p>
+          <a:p>
+            <a:pPr lvl="3">
+              <a:lnSpc>
+                <a:spcPct val="80000"/>
+              </a:lnSpc>
+            </a:pPr>
+            <a:r>
+              <a:rPr lang="en-US" sz="1800" dirty="0" smtClean="0">
+                <a:latin typeface="Arial" charset="0"/>
+              </a:rPr>
+              <a:t>You will receive invitation to join shared folder—</a:t>
+            </a:r>
+            <a:r>
+              <a:rPr lang="en-US" sz="1800" u="sng" dirty="0" smtClean="0">
+                <a:solidFill>
+                  <a:srgbClr val="FF0000"/>
+                </a:solidFill>
+                <a:latin typeface="Arial" charset="0"/>
+              </a:rPr>
+              <a:t>must accept invitation</a:t>
+            </a:r>
+            <a:endParaRPr lang="en-US" sz="1800" u="sng" dirty="0" smtClean="0">
+              <a:solidFill>
+                <a:srgbClr val="FF0000"/>
+              </a:solidFill>
+              <a:latin typeface="Arial" charset="0"/>
+            </a:endParaRPr>
           </a:p>
           <a:p>
             <a:pPr lvl="2">
@@ -12932,7 +13020,7 @@
               <a:rPr lang="en-US" smtClean="0">
                 <a:latin typeface="Garamond" charset="0"/>
               </a:rPr>
-              <a:t>1/16/17</a:t>
+              <a:t>1/18/2017</a:t>
             </a:fld>
             <a:endParaRPr lang="en-US">
               <a:latin typeface="Garamond" charset="0"/>
@@ -13118,7 +13206,7 @@
   <p:timing>
     <p:tnLst>
       <p:par>
-        <p:cTn xmlns:p14="http://schemas.microsoft.com/office/powerpoint/2010/main" id="1" dur="indefinite" restart="never" nodeType="tmRoot"/>
+        <p:cTn id="1" dur="indefinite" restart="never" nodeType="tmRoot"/>
       </p:par>
     </p:tnLst>
   </p:timing>
@@ -13277,7 +13365,7 @@
               <a:rPr lang="en-US" smtClean="0">
                 <a:latin typeface="Garamond" charset="0"/>
               </a:rPr>
-              <a:t>1/16/17</a:t>
+              <a:t>1/18/2017</a:t>
             </a:fld>
             <a:endParaRPr lang="en-US">
               <a:latin typeface="Garamond" charset="0"/>
@@ -13538,35 +13626,20 @@
               <a:rPr lang="en-US" dirty="0" smtClean="0">
                 <a:latin typeface="Arial" charset="0"/>
               </a:rPr>
-              <a:t>Section 201: MWF </a:t>
+              <a:t>Section 201: MWF 8-8:</a:t>
+            </a:r>
+            <a:r>
+              <a:rPr lang="en-US" dirty="0">
+                <a:latin typeface="Arial" charset="0"/>
+              </a:rPr>
+              <a:t>50, </a:t>
             </a:r>
             <a:r>
               <a:rPr lang="en-US" dirty="0" smtClean="0">
                 <a:latin typeface="Arial" charset="0"/>
               </a:rPr>
-              <a:t>8-</a:t>
-            </a:r>
-            <a:r>
-              <a:rPr lang="en-US" dirty="0" smtClean="0">
-                <a:latin typeface="Arial" charset="0"/>
-              </a:rPr>
-              <a:t>8:</a:t>
-            </a:r>
-            <a:r>
-              <a:rPr lang="en-US" dirty="0">
-                <a:latin typeface="Arial" charset="0"/>
-              </a:rPr>
-              <a:t>50, </a:t>
-            </a:r>
-            <a:r>
-              <a:rPr lang="en-US" dirty="0" smtClean="0">
-                <a:latin typeface="Arial" charset="0"/>
-              </a:rPr>
               <a:t>Ball 314</a:t>
             </a:r>
-            <a:endParaRPr lang="en-US" dirty="0" smtClean="0">
-              <a:latin typeface="Arial" charset="0"/>
-            </a:endParaRPr>
           </a:p>
           <a:p>
             <a:pPr lvl="1" eaLnBrk="1" hangingPunct="1">
@@ -13580,19 +13653,7 @@
               <a:rPr lang="en-US" dirty="0" smtClean="0">
                 <a:latin typeface="Arial" charset="0"/>
               </a:rPr>
-              <a:t>Section 202: MWF </a:t>
-            </a:r>
-            <a:r>
-              <a:rPr lang="en-US" dirty="0" smtClean="0">
-                <a:latin typeface="Arial" charset="0"/>
-              </a:rPr>
-              <a:t>12-12:</a:t>
-            </a:r>
-            <a:r>
-              <a:rPr lang="en-US" dirty="0" smtClean="0">
-                <a:latin typeface="Arial" charset="0"/>
-              </a:rPr>
-              <a:t>50, </a:t>
+              <a:t>Section 202: MWF 12-12:50, </a:t>
             </a:r>
             <a:r>
               <a:rPr lang="en-US" dirty="0" err="1" smtClean="0">
@@ -13658,7 +13719,7 @@
   <p:timing>
     <p:tnLst>
       <p:par>
-        <p:cTn xmlns:p14="http://schemas.microsoft.com/office/powerpoint/2010/main" id="1" dur="indefinite" restart="never" nodeType="tmRoot"/>
+        <p:cTn id="1" dur="indefinite" restart="never" nodeType="tmRoot"/>
       </p:par>
     </p:tnLst>
   </p:timing>
@@ -13817,7 +13878,7 @@
               <a:rPr lang="en-US" smtClean="0">
                 <a:latin typeface="Garamond" charset="0"/>
               </a:rPr>
-              <a:t>1/16/17</a:t>
+              <a:t>1/18/2017</a:t>
             </a:fld>
             <a:endParaRPr lang="en-US">
               <a:latin typeface="Garamond" charset="0"/>
@@ -14248,25 +14309,7 @@
               <a:rPr lang="en-US" dirty="0" smtClean="0">
                 <a:latin typeface="Arial" charset="0"/>
               </a:rPr>
-              <a:t>MW 11-</a:t>
-            </a:r>
-            <a:r>
-              <a:rPr lang="en-US" dirty="0" smtClean="0">
-                <a:latin typeface="Arial" charset="0"/>
-              </a:rPr>
-              <a:t>11:45, F </a:t>
-            </a:r>
-            <a:r>
-              <a:rPr lang="en-US" dirty="0" smtClean="0">
-                <a:latin typeface="Arial" charset="0"/>
-              </a:rPr>
-              <a:t>9:30-</a:t>
-            </a:r>
-            <a:r>
-              <a:rPr lang="en-US" dirty="0" smtClean="0">
-                <a:latin typeface="Arial" charset="0"/>
-              </a:rPr>
-              <a:t>11:45</a:t>
+              <a:t>MW 11-11:45, F 9:30-11:45</a:t>
             </a:r>
             <a:endParaRPr lang="en-US" dirty="0">
               <a:latin typeface="Arial" charset="0"/>
@@ -14288,13 +14331,7 @@
               <a:rPr lang="en-US" dirty="0" smtClean="0">
                 <a:latin typeface="Arial" charset="0"/>
               </a:rPr>
-              <a:t>appointment other days/</a:t>
-            </a:r>
-            <a:r>
-              <a:rPr lang="en-US" dirty="0" smtClean="0">
-                <a:latin typeface="Arial" charset="0"/>
-              </a:rPr>
-              <a:t>times</a:t>
+              <a:t>appointment other days/times</a:t>
             </a:r>
           </a:p>
           <a:p>
@@ -14464,7 +14501,7 @@
   <p:timing>
     <p:tnLst>
       <p:par>
-        <p:cTn xmlns:p14="http://schemas.microsoft.com/office/powerpoint/2010/main" id="1" dur="indefinite" restart="never" nodeType="tmRoot"/>
+        <p:cTn id="1" dur="indefinite" restart="never" nodeType="tmRoot"/>
       </p:par>
     </p:tnLst>
   </p:timing>
@@ -14674,7 +14711,7 @@
           <a:p>
             <a:fld id="{BA7177C3-D81E-3741-A84F-39E996C00AC0}" type="datetime1">
               <a:rPr lang="en-US" smtClean="0"/>
-              <a:t>1/16/17</a:t>
+              <a:t>1/18/2017</a:t>
             </a:fld>
             <a:endParaRPr lang="en-US"/>
           </a:p>
@@ -14895,7 +14932,7 @@
               <a:rPr lang="en-US" smtClean="0">
                 <a:latin typeface="Garamond" charset="0"/>
               </a:rPr>
-              <a:t>1/16/17</a:t>
+              <a:t>1/18/2017</a:t>
             </a:fld>
             <a:endParaRPr lang="en-US">
               <a:latin typeface="Garamond" charset="0"/>
@@ -15273,7 +15310,7 @@
   <p:timing>
     <p:tnLst>
       <p:par>
-        <p:cTn xmlns:p14="http://schemas.microsoft.com/office/powerpoint/2010/main" id="1" dur="indefinite" restart="never" nodeType="tmRoot"/>
+        <p:cTn id="1" dur="indefinite" restart="never" nodeType="tmRoot"/>
       </p:par>
     </p:tnLst>
   </p:timing>
@@ -15384,34 +15421,7 @@
                 </a:solidFill>
                 <a:latin typeface="Arial" charset="0"/>
               </a:rPr>
-              <a:t>/eece2160</a:t>
-            </a:r>
-            <a:r>
-              <a:rPr lang="en-US" sz="2400" dirty="0" smtClean="0">
-                <a:solidFill>
-                  <a:srgbClr val="0000FF"/>
-                </a:solidFill>
-                <a:latin typeface="Arial" charset="0"/>
-              </a:rPr>
-              <a:t>/</a:t>
-            </a:r>
-            <a:r>
-              <a:rPr lang="en-US" sz="2400" dirty="0" smtClean="0">
-                <a:solidFill>
-                  <a:srgbClr val="0000FF"/>
-                </a:solidFill>
-                <a:latin typeface="Arial" charset="0"/>
-              </a:rPr>
-              <a:t>sp17</a:t>
-            </a:r>
-            <a:r>
-              <a:rPr lang="en-US" sz="2400" dirty="0" smtClean="0">
-                <a:solidFill>
-                  <a:srgbClr val="0000FF"/>
-                </a:solidFill>
-                <a:latin typeface="Arial" charset="0"/>
-              </a:rPr>
-              <a:t>/</a:t>
+              <a:t>/eece2160/sp17/</a:t>
             </a:r>
             <a:r>
               <a:rPr lang="en-US" sz="2400" dirty="0" err="1">
@@ -15458,34 +15468,7 @@
                 </a:solidFill>
                 <a:latin typeface="Arial" charset="0"/>
               </a:rPr>
-              <a:t>/eece2160</a:t>
-            </a:r>
-            <a:r>
-              <a:rPr lang="en-US" sz="2400" dirty="0" smtClean="0">
-                <a:solidFill>
-                  <a:srgbClr val="0000FF"/>
-                </a:solidFill>
-                <a:latin typeface="Arial" charset="0"/>
-              </a:rPr>
-              <a:t>/</a:t>
-            </a:r>
-            <a:r>
-              <a:rPr lang="en-US" sz="2400" dirty="0" smtClean="0">
-                <a:solidFill>
-                  <a:srgbClr val="0000FF"/>
-                </a:solidFill>
-                <a:latin typeface="Arial" charset="0"/>
-              </a:rPr>
-              <a:t>sp17</a:t>
-            </a:r>
-            <a:r>
-              <a:rPr lang="en-US" sz="2400" dirty="0" smtClean="0">
-                <a:solidFill>
-                  <a:srgbClr val="0000FF"/>
-                </a:solidFill>
-                <a:latin typeface="Arial" charset="0"/>
-              </a:rPr>
-              <a:t>/</a:t>
+              <a:t>/eece2160/sp17/</a:t>
             </a:r>
             <a:r>
               <a:rPr lang="en-US" sz="2400" dirty="0" err="1" smtClean="0">
@@ -15741,7 +15724,7 @@
               <a:rPr lang="en-US" smtClean="0">
                 <a:latin typeface="Garamond" charset="0"/>
               </a:rPr>
-              <a:t>1/16/17</a:t>
+              <a:t>1/18/2017</a:t>
             </a:fld>
             <a:endParaRPr lang="en-US">
               <a:latin typeface="Garamond" charset="0"/>
@@ -15926,7 +15909,7 @@
   <p:timing>
     <p:tnLst>
       <p:par>
-        <p:cTn xmlns:p14="http://schemas.microsoft.com/office/powerpoint/2010/main" id="1" dur="indefinite" restart="never" nodeType="tmRoot"/>
+        <p:cTn id="1" dur="indefinite" restart="never" nodeType="tmRoot"/>
       </p:par>
     </p:tnLst>
   </p:timing>
@@ -16179,7 +16162,7 @@
           <a:p>
             <a:fld id="{C983AF4E-1458-4A4B-8422-E76249AAE24E}" type="datetime1">
               <a:rPr lang="en-US" smtClean="0"/>
-              <a:t>1/16/17</a:t>
+              <a:t>1/18/2017</a:t>
             </a:fld>
             <a:endParaRPr lang="en-US"/>
           </a:p>
@@ -16355,7 +16338,7 @@
   <p:timing>
     <p:tnLst>
       <p:par>
-        <p:cTn xmlns:p14="http://schemas.microsoft.com/office/powerpoint/2010/main" id="1" dur="indefinite" restart="never" nodeType="tmRoot"/>
+        <p:cTn id="1" dur="indefinite" restart="never" nodeType="tmRoot"/>
       </p:par>
     </p:tnLst>
   </p:timing>
@@ -16529,19 +16512,7 @@
               <a:rPr lang="en-US" sz="2800" dirty="0" smtClean="0">
                 <a:latin typeface="Arial" charset="0"/>
               </a:rPr>
-              <a:t>today</a:t>
-            </a:r>
-            <a:r>
-              <a:rPr lang="en-US" sz="2800" dirty="0" smtClean="0">
-                <a:latin typeface="Arial" charset="0"/>
-              </a:rPr>
-              <a:t>’</a:t>
-            </a:r>
-            <a:r>
-              <a:rPr lang="en-US" sz="2800" dirty="0" smtClean="0">
-                <a:latin typeface="Arial" charset="0"/>
-              </a:rPr>
-              <a:t>s </a:t>
+              <a:t>today’s </a:t>
             </a:r>
             <a:r>
               <a:rPr lang="en-US" sz="2800" dirty="0">
@@ -16729,7 +16700,7 @@
               <a:rPr lang="en-US" smtClean="0">
                 <a:latin typeface="Garamond" charset="0"/>
               </a:rPr>
-              <a:t>1/16/17</a:t>
+              <a:t>1/18/2017</a:t>
             </a:fld>
             <a:endParaRPr lang="en-US">
               <a:latin typeface="Garamond" charset="0"/>
@@ -16914,7 +16885,7 @@
   <p:timing>
     <p:tnLst>
       <p:par>
-        <p:cTn xmlns:p14="http://schemas.microsoft.com/office/powerpoint/2010/main" id="1" dur="indefinite" restart="never" nodeType="tmRoot"/>
+        <p:cTn id="1" dur="indefinite" restart="never" nodeType="tmRoot"/>
       </p:par>
     </p:tnLst>
   </p:timing>
